--- a/ppt 16-9/0543.要回家.pptx
+++ b/ppt 16-9/0543.要回家.pptx
@@ -129,7 +129,7 @@
           <p:cNvPr id="2" name="标题 1">
             <a:extLst>
               <a:ext uri="{FF2B5EF4-FFF2-40B4-BE49-F238E27FC236}">
-                <a16:creationId xmlns:a16="http://schemas.microsoft.com/office/drawing/2014/main" id="{58757626-4325-B97B-EEB5-BD51D853159E}"/>
+                <a16:creationId xmlns:a16="http://schemas.microsoft.com/office/drawing/2014/main" id="{FD716400-15A7-2362-9534-9651692A7FF0}"/>
               </a:ext>
             </a:extLst>
           </p:cNvPr>
@@ -166,7 +166,7 @@
           <p:cNvPr id="3" name="副标题 2">
             <a:extLst>
               <a:ext uri="{FF2B5EF4-FFF2-40B4-BE49-F238E27FC236}">
-                <a16:creationId xmlns:a16="http://schemas.microsoft.com/office/drawing/2014/main" id="{C6081995-B446-6829-1E70-6E47EC41659F}"/>
+                <a16:creationId xmlns:a16="http://schemas.microsoft.com/office/drawing/2014/main" id="{4B99BD75-EE60-3514-4FD9-A3FB66DBA0A8}"/>
               </a:ext>
             </a:extLst>
           </p:cNvPr>
@@ -236,7 +236,7 @@
           <p:cNvPr id="4" name="日期占位符 3">
             <a:extLst>
               <a:ext uri="{FF2B5EF4-FFF2-40B4-BE49-F238E27FC236}">
-                <a16:creationId xmlns:a16="http://schemas.microsoft.com/office/drawing/2014/main" id="{BC8DC5E3-E15A-EDA5-51EB-23848B693492}"/>
+                <a16:creationId xmlns:a16="http://schemas.microsoft.com/office/drawing/2014/main" id="{C3C58880-8F75-2BD5-19DD-ADAEBA14BEB4}"/>
               </a:ext>
             </a:extLst>
           </p:cNvPr>
@@ -252,7 +252,7 @@
           <a:bodyPr/>
           <a:lstStyle/>
           <a:p>
-            <a:fld id="{F862C05F-1199-4660-887B-FAFE58FDE354}" type="datetimeFigureOut">
+            <a:fld id="{CCC0068A-2872-4648-A0BF-CE3573FED195}" type="datetimeFigureOut">
               <a:rPr lang="zh-CN" altLang="en-US" smtClean="0"/>
               <a:t>2024/3/10</a:t>
             </a:fld>
@@ -265,7 +265,7 @@
           <p:cNvPr id="5" name="页脚占位符 4">
             <a:extLst>
               <a:ext uri="{FF2B5EF4-FFF2-40B4-BE49-F238E27FC236}">
-                <a16:creationId xmlns:a16="http://schemas.microsoft.com/office/drawing/2014/main" id="{587A5BD0-9693-3142-8149-BEF0E2EFA431}"/>
+                <a16:creationId xmlns:a16="http://schemas.microsoft.com/office/drawing/2014/main" id="{0528BA8E-3D5B-D9A1-E595-C4A19994701D}"/>
               </a:ext>
             </a:extLst>
           </p:cNvPr>
@@ -290,7 +290,7 @@
           <p:cNvPr id="6" name="灯片编号占位符 5">
             <a:extLst>
               <a:ext uri="{FF2B5EF4-FFF2-40B4-BE49-F238E27FC236}">
-                <a16:creationId xmlns:a16="http://schemas.microsoft.com/office/drawing/2014/main" id="{D9EEA00F-6DB8-2D93-426E-6D95B70B4384}"/>
+                <a16:creationId xmlns:a16="http://schemas.microsoft.com/office/drawing/2014/main" id="{54432B3B-CB0A-331D-682E-767EF8DFFF67}"/>
               </a:ext>
             </a:extLst>
           </p:cNvPr>
@@ -306,7 +306,7 @@
           <a:bodyPr/>
           <a:lstStyle/>
           <a:p>
-            <a:fld id="{463FFAF0-5B2F-4E68-8178-BB6E79C93A53}" type="slidenum">
+            <a:fld id="{94EDD6F1-BB18-497F-9B4D-47AFC09D20A8}" type="slidenum">
               <a:rPr lang="zh-CN" altLang="en-US" smtClean="0"/>
               <a:t>‹#›</a:t>
             </a:fld>
@@ -317,7 +317,7 @@
     </p:spTree>
     <p:extLst>
       <p:ext uri="{BB962C8B-B14F-4D97-AF65-F5344CB8AC3E}">
-        <p14:creationId xmlns:p14="http://schemas.microsoft.com/office/powerpoint/2010/main" val="3896293778"/>
+        <p14:creationId xmlns:p14="http://schemas.microsoft.com/office/powerpoint/2010/main" val="3469632723"/>
       </p:ext>
     </p:extLst>
   </p:cSld>
@@ -349,7 +349,7 @@
           <p:cNvPr id="2" name="标题 1">
             <a:extLst>
               <a:ext uri="{FF2B5EF4-FFF2-40B4-BE49-F238E27FC236}">
-                <a16:creationId xmlns:a16="http://schemas.microsoft.com/office/drawing/2014/main" id="{C965FB14-382E-4880-42DE-3232F27ACAF2}"/>
+                <a16:creationId xmlns:a16="http://schemas.microsoft.com/office/drawing/2014/main" id="{A3B39318-7840-9EB9-B042-2422906A9AA2}"/>
               </a:ext>
             </a:extLst>
           </p:cNvPr>
@@ -377,7 +377,7 @@
           <p:cNvPr id="3" name="竖排文字占位符 2">
             <a:extLst>
               <a:ext uri="{FF2B5EF4-FFF2-40B4-BE49-F238E27FC236}">
-                <a16:creationId xmlns:a16="http://schemas.microsoft.com/office/drawing/2014/main" id="{EC662001-242A-CCCA-8F11-2BC35985FEA7}"/>
+                <a16:creationId xmlns:a16="http://schemas.microsoft.com/office/drawing/2014/main" id="{17022F31-529D-2071-C6E3-31953130267B}"/>
               </a:ext>
             </a:extLst>
           </p:cNvPr>
@@ -434,7 +434,7 @@
           <p:cNvPr id="4" name="日期占位符 3">
             <a:extLst>
               <a:ext uri="{FF2B5EF4-FFF2-40B4-BE49-F238E27FC236}">
-                <a16:creationId xmlns:a16="http://schemas.microsoft.com/office/drawing/2014/main" id="{4942380F-96BA-24D0-F717-D0253E28707F}"/>
+                <a16:creationId xmlns:a16="http://schemas.microsoft.com/office/drawing/2014/main" id="{13E7B8BB-BE23-B74A-13F9-62897A29CF9D}"/>
               </a:ext>
             </a:extLst>
           </p:cNvPr>
@@ -450,7 +450,7 @@
           <a:bodyPr/>
           <a:lstStyle/>
           <a:p>
-            <a:fld id="{F862C05F-1199-4660-887B-FAFE58FDE354}" type="datetimeFigureOut">
+            <a:fld id="{CCC0068A-2872-4648-A0BF-CE3573FED195}" type="datetimeFigureOut">
               <a:rPr lang="zh-CN" altLang="en-US" smtClean="0"/>
               <a:t>2024/3/10</a:t>
             </a:fld>
@@ -463,7 +463,7 @@
           <p:cNvPr id="5" name="页脚占位符 4">
             <a:extLst>
               <a:ext uri="{FF2B5EF4-FFF2-40B4-BE49-F238E27FC236}">
-                <a16:creationId xmlns:a16="http://schemas.microsoft.com/office/drawing/2014/main" id="{53F70FC3-82E2-DE75-D3E9-D5C3B4324206}"/>
+                <a16:creationId xmlns:a16="http://schemas.microsoft.com/office/drawing/2014/main" id="{E215911A-4285-190C-D8C9-299D0ECCF9FE}"/>
               </a:ext>
             </a:extLst>
           </p:cNvPr>
@@ -488,7 +488,7 @@
           <p:cNvPr id="6" name="灯片编号占位符 5">
             <a:extLst>
               <a:ext uri="{FF2B5EF4-FFF2-40B4-BE49-F238E27FC236}">
-                <a16:creationId xmlns:a16="http://schemas.microsoft.com/office/drawing/2014/main" id="{868F81EF-74CB-9846-F906-BB1C30DED6EF}"/>
+                <a16:creationId xmlns:a16="http://schemas.microsoft.com/office/drawing/2014/main" id="{65D974B1-FA4A-29C5-46F2-21EC37F57427}"/>
               </a:ext>
             </a:extLst>
           </p:cNvPr>
@@ -504,7 +504,7 @@
           <a:bodyPr/>
           <a:lstStyle/>
           <a:p>
-            <a:fld id="{463FFAF0-5B2F-4E68-8178-BB6E79C93A53}" type="slidenum">
+            <a:fld id="{94EDD6F1-BB18-497F-9B4D-47AFC09D20A8}" type="slidenum">
               <a:rPr lang="zh-CN" altLang="en-US" smtClean="0"/>
               <a:t>‹#›</a:t>
             </a:fld>
@@ -515,7 +515,7 @@
     </p:spTree>
     <p:extLst>
       <p:ext uri="{BB962C8B-B14F-4D97-AF65-F5344CB8AC3E}">
-        <p14:creationId xmlns:p14="http://schemas.microsoft.com/office/powerpoint/2010/main" val="2563438096"/>
+        <p14:creationId xmlns:p14="http://schemas.microsoft.com/office/powerpoint/2010/main" val="2409181267"/>
       </p:ext>
     </p:extLst>
   </p:cSld>
@@ -547,7 +547,7 @@
           <p:cNvPr id="2" name="竖排标题 1">
             <a:extLst>
               <a:ext uri="{FF2B5EF4-FFF2-40B4-BE49-F238E27FC236}">
-                <a16:creationId xmlns:a16="http://schemas.microsoft.com/office/drawing/2014/main" id="{FBA37118-1311-9698-04B3-FD9E44099FC9}"/>
+                <a16:creationId xmlns:a16="http://schemas.microsoft.com/office/drawing/2014/main" id="{3F419166-D94C-2185-B21A-87597631BF95}"/>
               </a:ext>
             </a:extLst>
           </p:cNvPr>
@@ -580,7 +580,7 @@
           <p:cNvPr id="3" name="竖排文字占位符 2">
             <a:extLst>
               <a:ext uri="{FF2B5EF4-FFF2-40B4-BE49-F238E27FC236}">
-                <a16:creationId xmlns:a16="http://schemas.microsoft.com/office/drawing/2014/main" id="{814C6B76-98A4-57DB-152B-EDDA48528154}"/>
+                <a16:creationId xmlns:a16="http://schemas.microsoft.com/office/drawing/2014/main" id="{9C25DE67-601F-08BD-348B-A9247A065938}"/>
               </a:ext>
             </a:extLst>
           </p:cNvPr>
@@ -642,7 +642,7 @@
           <p:cNvPr id="4" name="日期占位符 3">
             <a:extLst>
               <a:ext uri="{FF2B5EF4-FFF2-40B4-BE49-F238E27FC236}">
-                <a16:creationId xmlns:a16="http://schemas.microsoft.com/office/drawing/2014/main" id="{F663CF0F-CFD3-BC45-2AE7-1221CAC60D1A}"/>
+                <a16:creationId xmlns:a16="http://schemas.microsoft.com/office/drawing/2014/main" id="{C34B481A-B622-2C4E-F68B-391DDC074D8A}"/>
               </a:ext>
             </a:extLst>
           </p:cNvPr>
@@ -658,7 +658,7 @@
           <a:bodyPr/>
           <a:lstStyle/>
           <a:p>
-            <a:fld id="{F862C05F-1199-4660-887B-FAFE58FDE354}" type="datetimeFigureOut">
+            <a:fld id="{CCC0068A-2872-4648-A0BF-CE3573FED195}" type="datetimeFigureOut">
               <a:rPr lang="zh-CN" altLang="en-US" smtClean="0"/>
               <a:t>2024/3/10</a:t>
             </a:fld>
@@ -671,7 +671,7 @@
           <p:cNvPr id="5" name="页脚占位符 4">
             <a:extLst>
               <a:ext uri="{FF2B5EF4-FFF2-40B4-BE49-F238E27FC236}">
-                <a16:creationId xmlns:a16="http://schemas.microsoft.com/office/drawing/2014/main" id="{B7C7CA02-4618-8450-4052-C5BE328DCB5E}"/>
+                <a16:creationId xmlns:a16="http://schemas.microsoft.com/office/drawing/2014/main" id="{66A3571E-EDE5-2A7F-E720-533485608CAE}"/>
               </a:ext>
             </a:extLst>
           </p:cNvPr>
@@ -696,7 +696,7 @@
           <p:cNvPr id="6" name="灯片编号占位符 5">
             <a:extLst>
               <a:ext uri="{FF2B5EF4-FFF2-40B4-BE49-F238E27FC236}">
-                <a16:creationId xmlns:a16="http://schemas.microsoft.com/office/drawing/2014/main" id="{F2422FF4-052D-FC3C-FCFB-CBCA4A76E15A}"/>
+                <a16:creationId xmlns:a16="http://schemas.microsoft.com/office/drawing/2014/main" id="{B9A4E1F1-3BD9-37EB-DF51-5CB99B6B1396}"/>
               </a:ext>
             </a:extLst>
           </p:cNvPr>
@@ -712,7 +712,7 @@
           <a:bodyPr/>
           <a:lstStyle/>
           <a:p>
-            <a:fld id="{463FFAF0-5B2F-4E68-8178-BB6E79C93A53}" type="slidenum">
+            <a:fld id="{94EDD6F1-BB18-497F-9B4D-47AFC09D20A8}" type="slidenum">
               <a:rPr lang="zh-CN" altLang="en-US" smtClean="0"/>
               <a:t>‹#›</a:t>
             </a:fld>
@@ -723,7 +723,7 @@
     </p:spTree>
     <p:extLst>
       <p:ext uri="{BB962C8B-B14F-4D97-AF65-F5344CB8AC3E}">
-        <p14:creationId xmlns:p14="http://schemas.microsoft.com/office/powerpoint/2010/main" val="3174555043"/>
+        <p14:creationId xmlns:p14="http://schemas.microsoft.com/office/powerpoint/2010/main" val="3184960267"/>
       </p:ext>
     </p:extLst>
   </p:cSld>
@@ -755,7 +755,7 @@
           <p:cNvPr id="2" name="标题 1">
             <a:extLst>
               <a:ext uri="{FF2B5EF4-FFF2-40B4-BE49-F238E27FC236}">
-                <a16:creationId xmlns:a16="http://schemas.microsoft.com/office/drawing/2014/main" id="{51150A5C-A640-476C-2E14-EC4CFA01EB13}"/>
+                <a16:creationId xmlns:a16="http://schemas.microsoft.com/office/drawing/2014/main" id="{6615E2BD-269E-4DEF-E76E-4CE8096DA2E4}"/>
               </a:ext>
             </a:extLst>
           </p:cNvPr>
@@ -783,7 +783,7 @@
           <p:cNvPr id="3" name="内容占位符 2">
             <a:extLst>
               <a:ext uri="{FF2B5EF4-FFF2-40B4-BE49-F238E27FC236}">
-                <a16:creationId xmlns:a16="http://schemas.microsoft.com/office/drawing/2014/main" id="{72F39DBE-3651-C2F9-7004-DEE0A4C81153}"/>
+                <a16:creationId xmlns:a16="http://schemas.microsoft.com/office/drawing/2014/main" id="{E88861FB-E340-6636-1399-C33F9BFE490C}"/>
               </a:ext>
             </a:extLst>
           </p:cNvPr>
@@ -840,7 +840,7 @@
           <p:cNvPr id="4" name="日期占位符 3">
             <a:extLst>
               <a:ext uri="{FF2B5EF4-FFF2-40B4-BE49-F238E27FC236}">
-                <a16:creationId xmlns:a16="http://schemas.microsoft.com/office/drawing/2014/main" id="{DAD0B2F9-AB4E-B228-DE44-33BDC9DCC233}"/>
+                <a16:creationId xmlns:a16="http://schemas.microsoft.com/office/drawing/2014/main" id="{CFF1215D-3896-85E1-67C5-7C3EC4DB2253}"/>
               </a:ext>
             </a:extLst>
           </p:cNvPr>
@@ -856,7 +856,7 @@
           <a:bodyPr/>
           <a:lstStyle/>
           <a:p>
-            <a:fld id="{F862C05F-1199-4660-887B-FAFE58FDE354}" type="datetimeFigureOut">
+            <a:fld id="{CCC0068A-2872-4648-A0BF-CE3573FED195}" type="datetimeFigureOut">
               <a:rPr lang="zh-CN" altLang="en-US" smtClean="0"/>
               <a:t>2024/3/10</a:t>
             </a:fld>
@@ -869,7 +869,7 @@
           <p:cNvPr id="5" name="页脚占位符 4">
             <a:extLst>
               <a:ext uri="{FF2B5EF4-FFF2-40B4-BE49-F238E27FC236}">
-                <a16:creationId xmlns:a16="http://schemas.microsoft.com/office/drawing/2014/main" id="{81B029C2-1741-4B45-CDE4-DAB764D8BB3B}"/>
+                <a16:creationId xmlns:a16="http://schemas.microsoft.com/office/drawing/2014/main" id="{1B2D5850-A1F7-8AC5-35B4-2DDF190864E4}"/>
               </a:ext>
             </a:extLst>
           </p:cNvPr>
@@ -894,7 +894,7 @@
           <p:cNvPr id="6" name="灯片编号占位符 5">
             <a:extLst>
               <a:ext uri="{FF2B5EF4-FFF2-40B4-BE49-F238E27FC236}">
-                <a16:creationId xmlns:a16="http://schemas.microsoft.com/office/drawing/2014/main" id="{E06E5188-67D7-63C6-6426-80E0EC76CEE1}"/>
+                <a16:creationId xmlns:a16="http://schemas.microsoft.com/office/drawing/2014/main" id="{54B8D21C-E71B-36FF-3DFF-42180E6B4597}"/>
               </a:ext>
             </a:extLst>
           </p:cNvPr>
@@ -910,7 +910,7 @@
           <a:bodyPr/>
           <a:lstStyle/>
           <a:p>
-            <a:fld id="{463FFAF0-5B2F-4E68-8178-BB6E79C93A53}" type="slidenum">
+            <a:fld id="{94EDD6F1-BB18-497F-9B4D-47AFC09D20A8}" type="slidenum">
               <a:rPr lang="zh-CN" altLang="en-US" smtClean="0"/>
               <a:t>‹#›</a:t>
             </a:fld>
@@ -921,7 +921,7 @@
     </p:spTree>
     <p:extLst>
       <p:ext uri="{BB962C8B-B14F-4D97-AF65-F5344CB8AC3E}">
-        <p14:creationId xmlns:p14="http://schemas.microsoft.com/office/powerpoint/2010/main" val="2455911396"/>
+        <p14:creationId xmlns:p14="http://schemas.microsoft.com/office/powerpoint/2010/main" val="309906293"/>
       </p:ext>
     </p:extLst>
   </p:cSld>
@@ -953,7 +953,7 @@
           <p:cNvPr id="2" name="标题 1">
             <a:extLst>
               <a:ext uri="{FF2B5EF4-FFF2-40B4-BE49-F238E27FC236}">
-                <a16:creationId xmlns:a16="http://schemas.microsoft.com/office/drawing/2014/main" id="{DD220DDC-8C9D-3FC1-A532-4F07FC3381C9}"/>
+                <a16:creationId xmlns:a16="http://schemas.microsoft.com/office/drawing/2014/main" id="{39B45D06-34D5-5FB1-939D-6F8CDDA4929C}"/>
               </a:ext>
             </a:extLst>
           </p:cNvPr>
@@ -990,7 +990,7 @@
           <p:cNvPr id="3" name="文本占位符 2">
             <a:extLst>
               <a:ext uri="{FF2B5EF4-FFF2-40B4-BE49-F238E27FC236}">
-                <a16:creationId xmlns:a16="http://schemas.microsoft.com/office/drawing/2014/main" id="{914E730E-4B0D-89E5-E247-5D710A2693DD}"/>
+                <a16:creationId xmlns:a16="http://schemas.microsoft.com/office/drawing/2014/main" id="{CD75F0C8-2391-5C4B-8BC3-A76716ED81D5}"/>
               </a:ext>
             </a:extLst>
           </p:cNvPr>
@@ -1115,7 +1115,7 @@
           <p:cNvPr id="4" name="日期占位符 3">
             <a:extLst>
               <a:ext uri="{FF2B5EF4-FFF2-40B4-BE49-F238E27FC236}">
-                <a16:creationId xmlns:a16="http://schemas.microsoft.com/office/drawing/2014/main" id="{D69440AD-5ECA-5EC4-6CF6-F362E997F77B}"/>
+                <a16:creationId xmlns:a16="http://schemas.microsoft.com/office/drawing/2014/main" id="{6BFA9F2C-1226-44EA-6FCA-92E993F96165}"/>
               </a:ext>
             </a:extLst>
           </p:cNvPr>
@@ -1131,7 +1131,7 @@
           <a:bodyPr/>
           <a:lstStyle/>
           <a:p>
-            <a:fld id="{F862C05F-1199-4660-887B-FAFE58FDE354}" type="datetimeFigureOut">
+            <a:fld id="{CCC0068A-2872-4648-A0BF-CE3573FED195}" type="datetimeFigureOut">
               <a:rPr lang="zh-CN" altLang="en-US" smtClean="0"/>
               <a:t>2024/3/10</a:t>
             </a:fld>
@@ -1144,7 +1144,7 @@
           <p:cNvPr id="5" name="页脚占位符 4">
             <a:extLst>
               <a:ext uri="{FF2B5EF4-FFF2-40B4-BE49-F238E27FC236}">
-                <a16:creationId xmlns:a16="http://schemas.microsoft.com/office/drawing/2014/main" id="{C5D0DBAE-9F4A-B031-C24C-18D7ED4BBC1B}"/>
+                <a16:creationId xmlns:a16="http://schemas.microsoft.com/office/drawing/2014/main" id="{E0B70A0E-4EA0-3B21-0DB4-80ED9C7648EC}"/>
               </a:ext>
             </a:extLst>
           </p:cNvPr>
@@ -1169,7 +1169,7 @@
           <p:cNvPr id="6" name="灯片编号占位符 5">
             <a:extLst>
               <a:ext uri="{FF2B5EF4-FFF2-40B4-BE49-F238E27FC236}">
-                <a16:creationId xmlns:a16="http://schemas.microsoft.com/office/drawing/2014/main" id="{08F46114-F110-D139-1994-5047E797B850}"/>
+                <a16:creationId xmlns:a16="http://schemas.microsoft.com/office/drawing/2014/main" id="{8A0A189E-ECEB-AA29-4E7F-147150BC2216}"/>
               </a:ext>
             </a:extLst>
           </p:cNvPr>
@@ -1185,7 +1185,7 @@
           <a:bodyPr/>
           <a:lstStyle/>
           <a:p>
-            <a:fld id="{463FFAF0-5B2F-4E68-8178-BB6E79C93A53}" type="slidenum">
+            <a:fld id="{94EDD6F1-BB18-497F-9B4D-47AFC09D20A8}" type="slidenum">
               <a:rPr lang="zh-CN" altLang="en-US" smtClean="0"/>
               <a:t>‹#›</a:t>
             </a:fld>
@@ -1196,7 +1196,7 @@
     </p:spTree>
     <p:extLst>
       <p:ext uri="{BB962C8B-B14F-4D97-AF65-F5344CB8AC3E}">
-        <p14:creationId xmlns:p14="http://schemas.microsoft.com/office/powerpoint/2010/main" val="3676312617"/>
+        <p14:creationId xmlns:p14="http://schemas.microsoft.com/office/powerpoint/2010/main" val="4265993234"/>
       </p:ext>
     </p:extLst>
   </p:cSld>
@@ -1228,7 +1228,7 @@
           <p:cNvPr id="2" name="标题 1">
             <a:extLst>
               <a:ext uri="{FF2B5EF4-FFF2-40B4-BE49-F238E27FC236}">
-                <a16:creationId xmlns:a16="http://schemas.microsoft.com/office/drawing/2014/main" id="{98582D2E-7969-3F68-85B8-ABC743190353}"/>
+                <a16:creationId xmlns:a16="http://schemas.microsoft.com/office/drawing/2014/main" id="{5F1F0304-488B-251E-1256-6CC66D399C58}"/>
               </a:ext>
             </a:extLst>
           </p:cNvPr>
@@ -1256,7 +1256,7 @@
           <p:cNvPr id="3" name="内容占位符 2">
             <a:extLst>
               <a:ext uri="{FF2B5EF4-FFF2-40B4-BE49-F238E27FC236}">
-                <a16:creationId xmlns:a16="http://schemas.microsoft.com/office/drawing/2014/main" id="{97AF7E38-BF48-F731-6A63-9AAD466A920C}"/>
+                <a16:creationId xmlns:a16="http://schemas.microsoft.com/office/drawing/2014/main" id="{1FD687C3-2F71-13BD-12A3-BEB82C8EF12A}"/>
               </a:ext>
             </a:extLst>
           </p:cNvPr>
@@ -1318,7 +1318,7 @@
           <p:cNvPr id="4" name="内容占位符 3">
             <a:extLst>
               <a:ext uri="{FF2B5EF4-FFF2-40B4-BE49-F238E27FC236}">
-                <a16:creationId xmlns:a16="http://schemas.microsoft.com/office/drawing/2014/main" id="{EE560123-08F6-C9D4-B361-9820C4EC1F3B}"/>
+                <a16:creationId xmlns:a16="http://schemas.microsoft.com/office/drawing/2014/main" id="{68555574-CF55-1F6E-74DE-8108D43D6A60}"/>
               </a:ext>
             </a:extLst>
           </p:cNvPr>
@@ -1380,7 +1380,7 @@
           <p:cNvPr id="5" name="日期占位符 4">
             <a:extLst>
               <a:ext uri="{FF2B5EF4-FFF2-40B4-BE49-F238E27FC236}">
-                <a16:creationId xmlns:a16="http://schemas.microsoft.com/office/drawing/2014/main" id="{2D8BE0B2-B7FA-E43A-2226-29CD92CB27EA}"/>
+                <a16:creationId xmlns:a16="http://schemas.microsoft.com/office/drawing/2014/main" id="{1F474ABF-D0F4-429A-42CE-BB123DDB877A}"/>
               </a:ext>
             </a:extLst>
           </p:cNvPr>
@@ -1396,7 +1396,7 @@
           <a:bodyPr/>
           <a:lstStyle/>
           <a:p>
-            <a:fld id="{F862C05F-1199-4660-887B-FAFE58FDE354}" type="datetimeFigureOut">
+            <a:fld id="{CCC0068A-2872-4648-A0BF-CE3573FED195}" type="datetimeFigureOut">
               <a:rPr lang="zh-CN" altLang="en-US" smtClean="0"/>
               <a:t>2024/3/10</a:t>
             </a:fld>
@@ -1409,7 +1409,7 @@
           <p:cNvPr id="6" name="页脚占位符 5">
             <a:extLst>
               <a:ext uri="{FF2B5EF4-FFF2-40B4-BE49-F238E27FC236}">
-                <a16:creationId xmlns:a16="http://schemas.microsoft.com/office/drawing/2014/main" id="{41E743C5-44DF-289D-15D0-6C33604BDEF0}"/>
+                <a16:creationId xmlns:a16="http://schemas.microsoft.com/office/drawing/2014/main" id="{29C6A322-CC87-DB71-1C95-9F2E061D650A}"/>
               </a:ext>
             </a:extLst>
           </p:cNvPr>
@@ -1434,7 +1434,7 @@
           <p:cNvPr id="7" name="灯片编号占位符 6">
             <a:extLst>
               <a:ext uri="{FF2B5EF4-FFF2-40B4-BE49-F238E27FC236}">
-                <a16:creationId xmlns:a16="http://schemas.microsoft.com/office/drawing/2014/main" id="{C4B3F49A-9CEA-0091-5017-BF637C6EA653}"/>
+                <a16:creationId xmlns:a16="http://schemas.microsoft.com/office/drawing/2014/main" id="{1EB48232-D910-9F60-9689-14CB508846E0}"/>
               </a:ext>
             </a:extLst>
           </p:cNvPr>
@@ -1450,7 +1450,7 @@
           <a:bodyPr/>
           <a:lstStyle/>
           <a:p>
-            <a:fld id="{463FFAF0-5B2F-4E68-8178-BB6E79C93A53}" type="slidenum">
+            <a:fld id="{94EDD6F1-BB18-497F-9B4D-47AFC09D20A8}" type="slidenum">
               <a:rPr lang="zh-CN" altLang="en-US" smtClean="0"/>
               <a:t>‹#›</a:t>
             </a:fld>
@@ -1461,7 +1461,7 @@
     </p:spTree>
     <p:extLst>
       <p:ext uri="{BB962C8B-B14F-4D97-AF65-F5344CB8AC3E}">
-        <p14:creationId xmlns:p14="http://schemas.microsoft.com/office/powerpoint/2010/main" val="39604859"/>
+        <p14:creationId xmlns:p14="http://schemas.microsoft.com/office/powerpoint/2010/main" val="2655294503"/>
       </p:ext>
     </p:extLst>
   </p:cSld>
@@ -1493,7 +1493,7 @@
           <p:cNvPr id="2" name="标题 1">
             <a:extLst>
               <a:ext uri="{FF2B5EF4-FFF2-40B4-BE49-F238E27FC236}">
-                <a16:creationId xmlns:a16="http://schemas.microsoft.com/office/drawing/2014/main" id="{27407FF1-A8C4-BAD5-3157-B8F1B425359B}"/>
+                <a16:creationId xmlns:a16="http://schemas.microsoft.com/office/drawing/2014/main" id="{B2EDDEC3-6944-3AB6-90D6-BAFAE0B333F8}"/>
               </a:ext>
             </a:extLst>
           </p:cNvPr>
@@ -1526,7 +1526,7 @@
           <p:cNvPr id="3" name="文本占位符 2">
             <a:extLst>
               <a:ext uri="{FF2B5EF4-FFF2-40B4-BE49-F238E27FC236}">
-                <a16:creationId xmlns:a16="http://schemas.microsoft.com/office/drawing/2014/main" id="{2C0E191A-9864-46C2-4A22-835A1E7798E1}"/>
+                <a16:creationId xmlns:a16="http://schemas.microsoft.com/office/drawing/2014/main" id="{829BA5FC-2AFB-2764-BC62-BB327E2C419A}"/>
               </a:ext>
             </a:extLst>
           </p:cNvPr>
@@ -1597,7 +1597,7 @@
           <p:cNvPr id="4" name="内容占位符 3">
             <a:extLst>
               <a:ext uri="{FF2B5EF4-FFF2-40B4-BE49-F238E27FC236}">
-                <a16:creationId xmlns:a16="http://schemas.microsoft.com/office/drawing/2014/main" id="{EF29549F-DC1C-1EB0-8D0C-1EE133BF4F40}"/>
+                <a16:creationId xmlns:a16="http://schemas.microsoft.com/office/drawing/2014/main" id="{47034539-162D-681A-080F-65D6DDEDEEFE}"/>
               </a:ext>
             </a:extLst>
           </p:cNvPr>
@@ -1659,7 +1659,7 @@
           <p:cNvPr id="5" name="文本占位符 4">
             <a:extLst>
               <a:ext uri="{FF2B5EF4-FFF2-40B4-BE49-F238E27FC236}">
-                <a16:creationId xmlns:a16="http://schemas.microsoft.com/office/drawing/2014/main" id="{346827C8-212F-0390-FDD6-E227B5A6A41C}"/>
+                <a16:creationId xmlns:a16="http://schemas.microsoft.com/office/drawing/2014/main" id="{BF4B9ABD-0775-A548-F21E-C3987D75E9D4}"/>
               </a:ext>
             </a:extLst>
           </p:cNvPr>
@@ -1730,7 +1730,7 @@
           <p:cNvPr id="6" name="内容占位符 5">
             <a:extLst>
               <a:ext uri="{FF2B5EF4-FFF2-40B4-BE49-F238E27FC236}">
-                <a16:creationId xmlns:a16="http://schemas.microsoft.com/office/drawing/2014/main" id="{23F55C80-F421-63DC-44ED-4D0BCEEC53EE}"/>
+                <a16:creationId xmlns:a16="http://schemas.microsoft.com/office/drawing/2014/main" id="{8A086CB6-7C46-E3A1-ADF9-43B10EB559F7}"/>
               </a:ext>
             </a:extLst>
           </p:cNvPr>
@@ -1792,7 +1792,7 @@
           <p:cNvPr id="7" name="日期占位符 6">
             <a:extLst>
               <a:ext uri="{FF2B5EF4-FFF2-40B4-BE49-F238E27FC236}">
-                <a16:creationId xmlns:a16="http://schemas.microsoft.com/office/drawing/2014/main" id="{C5E7A3A6-F0C3-F3AE-E4B9-89E1E433BE76}"/>
+                <a16:creationId xmlns:a16="http://schemas.microsoft.com/office/drawing/2014/main" id="{5179AD8F-0712-4A12-1787-2221F045599F}"/>
               </a:ext>
             </a:extLst>
           </p:cNvPr>
@@ -1808,7 +1808,7 @@
           <a:bodyPr/>
           <a:lstStyle/>
           <a:p>
-            <a:fld id="{F862C05F-1199-4660-887B-FAFE58FDE354}" type="datetimeFigureOut">
+            <a:fld id="{CCC0068A-2872-4648-A0BF-CE3573FED195}" type="datetimeFigureOut">
               <a:rPr lang="zh-CN" altLang="en-US" smtClean="0"/>
               <a:t>2024/3/10</a:t>
             </a:fld>
@@ -1821,7 +1821,7 @@
           <p:cNvPr id="8" name="页脚占位符 7">
             <a:extLst>
               <a:ext uri="{FF2B5EF4-FFF2-40B4-BE49-F238E27FC236}">
-                <a16:creationId xmlns:a16="http://schemas.microsoft.com/office/drawing/2014/main" id="{FA74B257-FE2D-AD65-D524-585BEF217A38}"/>
+                <a16:creationId xmlns:a16="http://schemas.microsoft.com/office/drawing/2014/main" id="{6886F02A-5F7A-1DBC-FF6D-57E0E331ED6B}"/>
               </a:ext>
             </a:extLst>
           </p:cNvPr>
@@ -1846,7 +1846,7 @@
           <p:cNvPr id="9" name="灯片编号占位符 8">
             <a:extLst>
               <a:ext uri="{FF2B5EF4-FFF2-40B4-BE49-F238E27FC236}">
-                <a16:creationId xmlns:a16="http://schemas.microsoft.com/office/drawing/2014/main" id="{0F330F57-F90F-9647-3173-FB89874202D6}"/>
+                <a16:creationId xmlns:a16="http://schemas.microsoft.com/office/drawing/2014/main" id="{D1CCED8D-9283-7CD2-128D-315D8D7A5DE8}"/>
               </a:ext>
             </a:extLst>
           </p:cNvPr>
@@ -1862,7 +1862,7 @@
           <a:bodyPr/>
           <a:lstStyle/>
           <a:p>
-            <a:fld id="{463FFAF0-5B2F-4E68-8178-BB6E79C93A53}" type="slidenum">
+            <a:fld id="{94EDD6F1-BB18-497F-9B4D-47AFC09D20A8}" type="slidenum">
               <a:rPr lang="zh-CN" altLang="en-US" smtClean="0"/>
               <a:t>‹#›</a:t>
             </a:fld>
@@ -1873,7 +1873,7 @@
     </p:spTree>
     <p:extLst>
       <p:ext uri="{BB962C8B-B14F-4D97-AF65-F5344CB8AC3E}">
-        <p14:creationId xmlns:p14="http://schemas.microsoft.com/office/powerpoint/2010/main" val="2599650105"/>
+        <p14:creationId xmlns:p14="http://schemas.microsoft.com/office/powerpoint/2010/main" val="2643521731"/>
       </p:ext>
     </p:extLst>
   </p:cSld>
@@ -1905,7 +1905,7 @@
           <p:cNvPr id="2" name="标题 1">
             <a:extLst>
               <a:ext uri="{FF2B5EF4-FFF2-40B4-BE49-F238E27FC236}">
-                <a16:creationId xmlns:a16="http://schemas.microsoft.com/office/drawing/2014/main" id="{FFB6D618-15ED-B4DC-04EF-9E8E39E86827}"/>
+                <a16:creationId xmlns:a16="http://schemas.microsoft.com/office/drawing/2014/main" id="{50840A66-D6E3-3D8D-82B8-1F2BE99378B6}"/>
               </a:ext>
             </a:extLst>
           </p:cNvPr>
@@ -1933,7 +1933,7 @@
           <p:cNvPr id="3" name="日期占位符 2">
             <a:extLst>
               <a:ext uri="{FF2B5EF4-FFF2-40B4-BE49-F238E27FC236}">
-                <a16:creationId xmlns:a16="http://schemas.microsoft.com/office/drawing/2014/main" id="{456DA536-9CAB-7818-AF60-F362143F0573}"/>
+                <a16:creationId xmlns:a16="http://schemas.microsoft.com/office/drawing/2014/main" id="{BEF31239-DF05-675B-1344-A783A82CA016}"/>
               </a:ext>
             </a:extLst>
           </p:cNvPr>
@@ -1949,7 +1949,7 @@
           <a:bodyPr/>
           <a:lstStyle/>
           <a:p>
-            <a:fld id="{F862C05F-1199-4660-887B-FAFE58FDE354}" type="datetimeFigureOut">
+            <a:fld id="{CCC0068A-2872-4648-A0BF-CE3573FED195}" type="datetimeFigureOut">
               <a:rPr lang="zh-CN" altLang="en-US" smtClean="0"/>
               <a:t>2024/3/10</a:t>
             </a:fld>
@@ -1962,7 +1962,7 @@
           <p:cNvPr id="4" name="页脚占位符 3">
             <a:extLst>
               <a:ext uri="{FF2B5EF4-FFF2-40B4-BE49-F238E27FC236}">
-                <a16:creationId xmlns:a16="http://schemas.microsoft.com/office/drawing/2014/main" id="{0CCB9015-CA5C-7D0E-CDCA-10CB8D626E26}"/>
+                <a16:creationId xmlns:a16="http://schemas.microsoft.com/office/drawing/2014/main" id="{A148DE14-677A-37F8-57E3-50EF20A581B5}"/>
               </a:ext>
             </a:extLst>
           </p:cNvPr>
@@ -1987,7 +1987,7 @@
           <p:cNvPr id="5" name="灯片编号占位符 4">
             <a:extLst>
               <a:ext uri="{FF2B5EF4-FFF2-40B4-BE49-F238E27FC236}">
-                <a16:creationId xmlns:a16="http://schemas.microsoft.com/office/drawing/2014/main" id="{D0E9AC08-3A7C-90D3-AE2B-0C84B1063383}"/>
+                <a16:creationId xmlns:a16="http://schemas.microsoft.com/office/drawing/2014/main" id="{384E4C44-7EDE-10FE-92FC-8F72DCCEA346}"/>
               </a:ext>
             </a:extLst>
           </p:cNvPr>
@@ -2003,7 +2003,7 @@
           <a:bodyPr/>
           <a:lstStyle/>
           <a:p>
-            <a:fld id="{463FFAF0-5B2F-4E68-8178-BB6E79C93A53}" type="slidenum">
+            <a:fld id="{94EDD6F1-BB18-497F-9B4D-47AFC09D20A8}" type="slidenum">
               <a:rPr lang="zh-CN" altLang="en-US" smtClean="0"/>
               <a:t>‹#›</a:t>
             </a:fld>
@@ -2014,7 +2014,7 @@
     </p:spTree>
     <p:extLst>
       <p:ext uri="{BB962C8B-B14F-4D97-AF65-F5344CB8AC3E}">
-        <p14:creationId xmlns:p14="http://schemas.microsoft.com/office/powerpoint/2010/main" val="2878862463"/>
+        <p14:creationId xmlns:p14="http://schemas.microsoft.com/office/powerpoint/2010/main" val="629352142"/>
       </p:ext>
     </p:extLst>
   </p:cSld>
@@ -2046,7 +2046,7 @@
           <p:cNvPr id="2" name="日期占位符 1">
             <a:extLst>
               <a:ext uri="{FF2B5EF4-FFF2-40B4-BE49-F238E27FC236}">
-                <a16:creationId xmlns:a16="http://schemas.microsoft.com/office/drawing/2014/main" id="{2D6361C7-7FBC-0EFF-54D6-A9E1BE32216E}"/>
+                <a16:creationId xmlns:a16="http://schemas.microsoft.com/office/drawing/2014/main" id="{C8EEE808-25B7-F9C3-0165-F89BD4AFCB6D}"/>
               </a:ext>
             </a:extLst>
           </p:cNvPr>
@@ -2062,7 +2062,7 @@
           <a:bodyPr/>
           <a:lstStyle/>
           <a:p>
-            <a:fld id="{F862C05F-1199-4660-887B-FAFE58FDE354}" type="datetimeFigureOut">
+            <a:fld id="{CCC0068A-2872-4648-A0BF-CE3573FED195}" type="datetimeFigureOut">
               <a:rPr lang="zh-CN" altLang="en-US" smtClean="0"/>
               <a:t>2024/3/10</a:t>
             </a:fld>
@@ -2075,7 +2075,7 @@
           <p:cNvPr id="3" name="页脚占位符 2">
             <a:extLst>
               <a:ext uri="{FF2B5EF4-FFF2-40B4-BE49-F238E27FC236}">
-                <a16:creationId xmlns:a16="http://schemas.microsoft.com/office/drawing/2014/main" id="{D49F31D9-EE35-A763-30B4-CCEA7A622114}"/>
+                <a16:creationId xmlns:a16="http://schemas.microsoft.com/office/drawing/2014/main" id="{8ADA9A78-F8CD-2B6F-C2D5-AF13390CA45E}"/>
               </a:ext>
             </a:extLst>
           </p:cNvPr>
@@ -2100,7 +2100,7 @@
           <p:cNvPr id="4" name="灯片编号占位符 3">
             <a:extLst>
               <a:ext uri="{FF2B5EF4-FFF2-40B4-BE49-F238E27FC236}">
-                <a16:creationId xmlns:a16="http://schemas.microsoft.com/office/drawing/2014/main" id="{70BFAAF9-4885-7E5C-A263-04DD09BAD0BD}"/>
+                <a16:creationId xmlns:a16="http://schemas.microsoft.com/office/drawing/2014/main" id="{29C3425E-C357-7521-B2D9-75C19BDEB96F}"/>
               </a:ext>
             </a:extLst>
           </p:cNvPr>
@@ -2116,7 +2116,7 @@
           <a:bodyPr/>
           <a:lstStyle/>
           <a:p>
-            <a:fld id="{463FFAF0-5B2F-4E68-8178-BB6E79C93A53}" type="slidenum">
+            <a:fld id="{94EDD6F1-BB18-497F-9B4D-47AFC09D20A8}" type="slidenum">
               <a:rPr lang="zh-CN" altLang="en-US" smtClean="0"/>
               <a:t>‹#›</a:t>
             </a:fld>
@@ -2127,7 +2127,7 @@
     </p:spTree>
     <p:extLst>
       <p:ext uri="{BB962C8B-B14F-4D97-AF65-F5344CB8AC3E}">
-        <p14:creationId xmlns:p14="http://schemas.microsoft.com/office/powerpoint/2010/main" val="2444894882"/>
+        <p14:creationId xmlns:p14="http://schemas.microsoft.com/office/powerpoint/2010/main" val="2728706105"/>
       </p:ext>
     </p:extLst>
   </p:cSld>
@@ -2159,7 +2159,7 @@
           <p:cNvPr id="2" name="标题 1">
             <a:extLst>
               <a:ext uri="{FF2B5EF4-FFF2-40B4-BE49-F238E27FC236}">
-                <a16:creationId xmlns:a16="http://schemas.microsoft.com/office/drawing/2014/main" id="{78D214CE-5A1F-A99C-8121-A41F22C0870D}"/>
+                <a16:creationId xmlns:a16="http://schemas.microsoft.com/office/drawing/2014/main" id="{7EA47B7D-011C-5B43-5B41-8376659B7593}"/>
               </a:ext>
             </a:extLst>
           </p:cNvPr>
@@ -2196,7 +2196,7 @@
           <p:cNvPr id="3" name="内容占位符 2">
             <a:extLst>
               <a:ext uri="{FF2B5EF4-FFF2-40B4-BE49-F238E27FC236}">
-                <a16:creationId xmlns:a16="http://schemas.microsoft.com/office/drawing/2014/main" id="{7E7D56DE-2DF7-7EBA-8E76-96156BC0DFC4}"/>
+                <a16:creationId xmlns:a16="http://schemas.microsoft.com/office/drawing/2014/main" id="{C61CE756-11BE-8BB7-B5AC-05E940D0F547}"/>
               </a:ext>
             </a:extLst>
           </p:cNvPr>
@@ -2286,7 +2286,7 @@
           <p:cNvPr id="4" name="文本占位符 3">
             <a:extLst>
               <a:ext uri="{FF2B5EF4-FFF2-40B4-BE49-F238E27FC236}">
-                <a16:creationId xmlns:a16="http://schemas.microsoft.com/office/drawing/2014/main" id="{ED1D6770-6D65-3EFE-2C5B-3DA63D535306}"/>
+                <a16:creationId xmlns:a16="http://schemas.microsoft.com/office/drawing/2014/main" id="{B80FD559-E069-1B42-F2C5-8F66A8E1C47F}"/>
               </a:ext>
             </a:extLst>
           </p:cNvPr>
@@ -2357,7 +2357,7 @@
           <p:cNvPr id="5" name="日期占位符 4">
             <a:extLst>
               <a:ext uri="{FF2B5EF4-FFF2-40B4-BE49-F238E27FC236}">
-                <a16:creationId xmlns:a16="http://schemas.microsoft.com/office/drawing/2014/main" id="{C329D38F-CB56-44C0-5C66-C9C321692330}"/>
+                <a16:creationId xmlns:a16="http://schemas.microsoft.com/office/drawing/2014/main" id="{F6FF660D-C9B4-35D6-E103-C15D825CA308}"/>
               </a:ext>
             </a:extLst>
           </p:cNvPr>
@@ -2373,7 +2373,7 @@
           <a:bodyPr/>
           <a:lstStyle/>
           <a:p>
-            <a:fld id="{F862C05F-1199-4660-887B-FAFE58FDE354}" type="datetimeFigureOut">
+            <a:fld id="{CCC0068A-2872-4648-A0BF-CE3573FED195}" type="datetimeFigureOut">
               <a:rPr lang="zh-CN" altLang="en-US" smtClean="0"/>
               <a:t>2024/3/10</a:t>
             </a:fld>
@@ -2386,7 +2386,7 @@
           <p:cNvPr id="6" name="页脚占位符 5">
             <a:extLst>
               <a:ext uri="{FF2B5EF4-FFF2-40B4-BE49-F238E27FC236}">
-                <a16:creationId xmlns:a16="http://schemas.microsoft.com/office/drawing/2014/main" id="{D7827027-58B9-66FF-1083-3EDE8909C757}"/>
+                <a16:creationId xmlns:a16="http://schemas.microsoft.com/office/drawing/2014/main" id="{39882882-1167-CEF7-575C-93CF270180F9}"/>
               </a:ext>
             </a:extLst>
           </p:cNvPr>
@@ -2411,7 +2411,7 @@
           <p:cNvPr id="7" name="灯片编号占位符 6">
             <a:extLst>
               <a:ext uri="{FF2B5EF4-FFF2-40B4-BE49-F238E27FC236}">
-                <a16:creationId xmlns:a16="http://schemas.microsoft.com/office/drawing/2014/main" id="{4F115EFA-A162-5ACD-F5A6-E4BC7A22A923}"/>
+                <a16:creationId xmlns:a16="http://schemas.microsoft.com/office/drawing/2014/main" id="{B27F179A-7BCE-88ED-071D-9D17BDD88A83}"/>
               </a:ext>
             </a:extLst>
           </p:cNvPr>
@@ -2427,7 +2427,7 @@
           <a:bodyPr/>
           <a:lstStyle/>
           <a:p>
-            <a:fld id="{463FFAF0-5B2F-4E68-8178-BB6E79C93A53}" type="slidenum">
+            <a:fld id="{94EDD6F1-BB18-497F-9B4D-47AFC09D20A8}" type="slidenum">
               <a:rPr lang="zh-CN" altLang="en-US" smtClean="0"/>
               <a:t>‹#›</a:t>
             </a:fld>
@@ -2438,7 +2438,7 @@
     </p:spTree>
     <p:extLst>
       <p:ext uri="{BB962C8B-B14F-4D97-AF65-F5344CB8AC3E}">
-        <p14:creationId xmlns:p14="http://schemas.microsoft.com/office/powerpoint/2010/main" val="4154206474"/>
+        <p14:creationId xmlns:p14="http://schemas.microsoft.com/office/powerpoint/2010/main" val="3301115879"/>
       </p:ext>
     </p:extLst>
   </p:cSld>
@@ -2470,7 +2470,7 @@
           <p:cNvPr id="2" name="标题 1">
             <a:extLst>
               <a:ext uri="{FF2B5EF4-FFF2-40B4-BE49-F238E27FC236}">
-                <a16:creationId xmlns:a16="http://schemas.microsoft.com/office/drawing/2014/main" id="{D610FA92-3BC7-5E35-C62B-4B52BAE55E24}"/>
+                <a16:creationId xmlns:a16="http://schemas.microsoft.com/office/drawing/2014/main" id="{5E8D7442-9640-006C-B45E-A5E6582DBDEB}"/>
               </a:ext>
             </a:extLst>
           </p:cNvPr>
@@ -2507,7 +2507,7 @@
           <p:cNvPr id="3" name="图片占位符 2">
             <a:extLst>
               <a:ext uri="{FF2B5EF4-FFF2-40B4-BE49-F238E27FC236}">
-                <a16:creationId xmlns:a16="http://schemas.microsoft.com/office/drawing/2014/main" id="{592B10BF-C3BD-44F7-B3DB-4579415B8EC9}"/>
+                <a16:creationId xmlns:a16="http://schemas.microsoft.com/office/drawing/2014/main" id="{17D2223B-C387-5B86-8239-FFC4878C608D}"/>
               </a:ext>
             </a:extLst>
           </p:cNvPr>
@@ -2574,7 +2574,7 @@
           <p:cNvPr id="4" name="文本占位符 3">
             <a:extLst>
               <a:ext uri="{FF2B5EF4-FFF2-40B4-BE49-F238E27FC236}">
-                <a16:creationId xmlns:a16="http://schemas.microsoft.com/office/drawing/2014/main" id="{1A707F7E-CF7C-73F7-0E9F-B4F5D6004300}"/>
+                <a16:creationId xmlns:a16="http://schemas.microsoft.com/office/drawing/2014/main" id="{48928E5F-ED7D-2219-6637-496207FD1CEC}"/>
               </a:ext>
             </a:extLst>
           </p:cNvPr>
@@ -2645,7 +2645,7 @@
           <p:cNvPr id="5" name="日期占位符 4">
             <a:extLst>
               <a:ext uri="{FF2B5EF4-FFF2-40B4-BE49-F238E27FC236}">
-                <a16:creationId xmlns:a16="http://schemas.microsoft.com/office/drawing/2014/main" id="{34281A86-CD6A-C6ED-5F16-CDBB5AE06788}"/>
+                <a16:creationId xmlns:a16="http://schemas.microsoft.com/office/drawing/2014/main" id="{FED2723B-90BC-84AA-6C1C-8603945B583E}"/>
               </a:ext>
             </a:extLst>
           </p:cNvPr>
@@ -2661,7 +2661,7 @@
           <a:bodyPr/>
           <a:lstStyle/>
           <a:p>
-            <a:fld id="{F862C05F-1199-4660-887B-FAFE58FDE354}" type="datetimeFigureOut">
+            <a:fld id="{CCC0068A-2872-4648-A0BF-CE3573FED195}" type="datetimeFigureOut">
               <a:rPr lang="zh-CN" altLang="en-US" smtClean="0"/>
               <a:t>2024/3/10</a:t>
             </a:fld>
@@ -2674,7 +2674,7 @@
           <p:cNvPr id="6" name="页脚占位符 5">
             <a:extLst>
               <a:ext uri="{FF2B5EF4-FFF2-40B4-BE49-F238E27FC236}">
-                <a16:creationId xmlns:a16="http://schemas.microsoft.com/office/drawing/2014/main" id="{9589E754-3FA3-29C5-6A66-2F60BD15D8F3}"/>
+                <a16:creationId xmlns:a16="http://schemas.microsoft.com/office/drawing/2014/main" id="{1D313F3E-283B-6A8C-2931-EE794A5E162D}"/>
               </a:ext>
             </a:extLst>
           </p:cNvPr>
@@ -2699,7 +2699,7 @@
           <p:cNvPr id="7" name="灯片编号占位符 6">
             <a:extLst>
               <a:ext uri="{FF2B5EF4-FFF2-40B4-BE49-F238E27FC236}">
-                <a16:creationId xmlns:a16="http://schemas.microsoft.com/office/drawing/2014/main" id="{68977C89-374D-52BF-5C29-931FF4C642FE}"/>
+                <a16:creationId xmlns:a16="http://schemas.microsoft.com/office/drawing/2014/main" id="{4DF1DDC2-3813-A002-D8F8-F3D9F8F1FF23}"/>
               </a:ext>
             </a:extLst>
           </p:cNvPr>
@@ -2715,7 +2715,7 @@
           <a:bodyPr/>
           <a:lstStyle/>
           <a:p>
-            <a:fld id="{463FFAF0-5B2F-4E68-8178-BB6E79C93A53}" type="slidenum">
+            <a:fld id="{94EDD6F1-BB18-497F-9B4D-47AFC09D20A8}" type="slidenum">
               <a:rPr lang="zh-CN" altLang="en-US" smtClean="0"/>
               <a:t>‹#›</a:t>
             </a:fld>
@@ -2726,7 +2726,7 @@
     </p:spTree>
     <p:extLst>
       <p:ext uri="{BB962C8B-B14F-4D97-AF65-F5344CB8AC3E}">
-        <p14:creationId xmlns:p14="http://schemas.microsoft.com/office/powerpoint/2010/main" val="3318353751"/>
+        <p14:creationId xmlns:p14="http://schemas.microsoft.com/office/powerpoint/2010/main" val="799977478"/>
       </p:ext>
     </p:extLst>
   </p:cSld>
@@ -2763,7 +2763,7 @@
           <p:cNvPr id="2" name="标题占位符 1">
             <a:extLst>
               <a:ext uri="{FF2B5EF4-FFF2-40B4-BE49-F238E27FC236}">
-                <a16:creationId xmlns:a16="http://schemas.microsoft.com/office/drawing/2014/main" id="{18BDE342-1C2C-0450-668F-E17FEFFA3520}"/>
+                <a16:creationId xmlns:a16="http://schemas.microsoft.com/office/drawing/2014/main" id="{D8FBE038-4B7A-7050-030F-F7B4F2EDB6E9}"/>
               </a:ext>
             </a:extLst>
           </p:cNvPr>
@@ -2801,7 +2801,7 @@
           <p:cNvPr id="3" name="文本占位符 2">
             <a:extLst>
               <a:ext uri="{FF2B5EF4-FFF2-40B4-BE49-F238E27FC236}">
-                <a16:creationId xmlns:a16="http://schemas.microsoft.com/office/drawing/2014/main" id="{74154044-BF20-B676-F916-A7249A6DA540}"/>
+                <a16:creationId xmlns:a16="http://schemas.microsoft.com/office/drawing/2014/main" id="{797897A4-2D09-05F7-3716-B79B81F635DF}"/>
               </a:ext>
             </a:extLst>
           </p:cNvPr>
@@ -2868,7 +2868,7 @@
           <p:cNvPr id="4" name="日期占位符 3">
             <a:extLst>
               <a:ext uri="{FF2B5EF4-FFF2-40B4-BE49-F238E27FC236}">
-                <a16:creationId xmlns:a16="http://schemas.microsoft.com/office/drawing/2014/main" id="{B419E0DF-AF26-3FDC-386A-56C48CF6CCF0}"/>
+                <a16:creationId xmlns:a16="http://schemas.microsoft.com/office/drawing/2014/main" id="{002840A9-EB8F-2EE8-DC2F-A47AFB887E3D}"/>
               </a:ext>
             </a:extLst>
           </p:cNvPr>
@@ -2902,7 +2902,7 @@
             </a:lvl1pPr>
           </a:lstStyle>
           <a:p>
-            <a:fld id="{F862C05F-1199-4660-887B-FAFE58FDE354}" type="datetimeFigureOut">
+            <a:fld id="{CCC0068A-2872-4648-A0BF-CE3573FED195}" type="datetimeFigureOut">
               <a:rPr lang="zh-CN" altLang="en-US" smtClean="0"/>
               <a:t>2024/3/10</a:t>
             </a:fld>
@@ -2915,7 +2915,7 @@
           <p:cNvPr id="5" name="页脚占位符 4">
             <a:extLst>
               <a:ext uri="{FF2B5EF4-FFF2-40B4-BE49-F238E27FC236}">
-                <a16:creationId xmlns:a16="http://schemas.microsoft.com/office/drawing/2014/main" id="{7A0CD5CC-EA2C-60BC-613C-00D7A60E0C9F}"/>
+                <a16:creationId xmlns:a16="http://schemas.microsoft.com/office/drawing/2014/main" id="{671B2CAC-79D4-911D-06E7-E64782ABE8B0}"/>
               </a:ext>
             </a:extLst>
           </p:cNvPr>
@@ -2958,7 +2958,7 @@
           <p:cNvPr id="6" name="灯片编号占位符 5">
             <a:extLst>
               <a:ext uri="{FF2B5EF4-FFF2-40B4-BE49-F238E27FC236}">
-                <a16:creationId xmlns:a16="http://schemas.microsoft.com/office/drawing/2014/main" id="{703E28E2-2789-4DAB-76DC-B494FBE12577}"/>
+                <a16:creationId xmlns:a16="http://schemas.microsoft.com/office/drawing/2014/main" id="{4FB2F81E-E0A5-2AD1-5248-CDCDD5D7699A}"/>
               </a:ext>
             </a:extLst>
           </p:cNvPr>
@@ -2992,7 +2992,7 @@
             </a:lvl1pPr>
           </a:lstStyle>
           <a:p>
-            <a:fld id="{463FFAF0-5B2F-4E68-8178-BB6E79C93A53}" type="slidenum">
+            <a:fld id="{94EDD6F1-BB18-497F-9B4D-47AFC09D20A8}" type="slidenum">
               <a:rPr lang="zh-CN" altLang="en-US" smtClean="0"/>
               <a:t>‹#›</a:t>
             </a:fld>
@@ -3003,7 +3003,7 @@
     </p:spTree>
     <p:extLst>
       <p:ext uri="{BB962C8B-B14F-4D97-AF65-F5344CB8AC3E}">
-        <p14:creationId xmlns:p14="http://schemas.microsoft.com/office/powerpoint/2010/main" val="3738781506"/>
+        <p14:creationId xmlns:p14="http://schemas.microsoft.com/office/powerpoint/2010/main" val="2813544937"/>
       </p:ext>
     </p:extLst>
   </p:cSld>
